--- a/Learning Package Presentation.pptx
+++ b/Learning Package Presentation.pptx
@@ -34,28 +34,29 @@
     <p:sldId id="279" r:id="rId28"/>
     <p:sldId id="280" r:id="rId29"/>
     <p:sldId id="281" r:id="rId30"/>
+    <p:sldId id="282" r:id="rId31"/>
   </p:sldIdLst>
   <p:sldSz cy="5143500" cx="9144000"/>
   <p:notesSz cx="6858000" cy="9144000"/>
   <p:embeddedFontLst>
     <p:embeddedFont>
       <p:font typeface="Roboto Slab"/>
-      <p:regular r:id="rId31"/>
-      <p:bold r:id="rId32"/>
+      <p:regular r:id="rId32"/>
+      <p:bold r:id="rId33"/>
     </p:embeddedFont>
     <p:embeddedFont>
       <p:font typeface="Ubuntu"/>
-      <p:regular r:id="rId33"/>
-      <p:bold r:id="rId34"/>
-      <p:italic r:id="rId35"/>
-      <p:boldItalic r:id="rId36"/>
+      <p:regular r:id="rId34"/>
+      <p:bold r:id="rId35"/>
+      <p:italic r:id="rId36"/>
+      <p:boldItalic r:id="rId37"/>
     </p:embeddedFont>
     <p:embeddedFont>
       <p:font typeface="Roboto"/>
-      <p:regular r:id="rId37"/>
-      <p:bold r:id="rId38"/>
-      <p:italic r:id="rId39"/>
-      <p:boldItalic r:id="rId40"/>
+      <p:regular r:id="rId38"/>
+      <p:bold r:id="rId39"/>
+      <p:italic r:id="rId40"/>
+      <p:boldItalic r:id="rId41"/>
     </p:embeddedFont>
   </p:embeddedFontLst>
   <p:defaultTextStyle>
@@ -2176,6 +2177,101 @@
       <p:sp>
         <p:nvSpPr>
           <p:cNvPr id="233" name="Shape 233"/>
+          <p:cNvSpPr txBox="1"/>
+          <p:nvPr>
+            <p:ph idx="1" type="body"/>
+          </p:nvPr>
+        </p:nvSpPr>
+        <p:spPr>
+          <a:xfrm>
+            <a:off x="685800" y="4343400"/>
+            <a:ext cx="5486400" cy="4114800"/>
+          </a:xfrm>
+          <a:prstGeom prst="rect">
+            <a:avLst/>
+          </a:prstGeom>
+        </p:spPr>
+        <p:txBody>
+          <a:bodyPr anchorCtr="0" anchor="t" bIns="91425" lIns="91425" rIns="91425" tIns="91425">
+            <a:noAutofit/>
+          </a:bodyPr>
+          <a:lstStyle/>
+          <a:p>
+            <a:pPr lvl="0">
+              <a:spcBef>
+                <a:spcPts val="0"/>
+              </a:spcBef>
+              <a:buNone/>
+            </a:pPr>
+            <a:r>
+              <a:t/>
+            </a:r>
+            <a:endParaRPr/>
+          </a:p>
+        </p:txBody>
+      </p:sp>
+    </p:spTree>
+  </p:cSld>
+  <p:clrMapOvr>
+    <a:masterClrMapping/>
+  </p:clrMapOvr>
+</p:notes>
+</file>
+
+<file path=ppt/notesSlides/notesSlide27.xml><?xml version="1.0" encoding="utf-8"?>
+<p:notes xmlns:a="http://schemas.openxmlformats.org/drawingml/2006/main" xmlns:r="http://schemas.openxmlformats.org/officeDocument/2006/relationships" xmlns:mc="http://schemas.openxmlformats.org/markup-compatibility/2006" xmlns:mv="urn:schemas-microsoft-com:mac:vml" xmlns:p="http://schemas.openxmlformats.org/presentationml/2006/main" xmlns:c="http://schemas.openxmlformats.org/drawingml/2006/chart" xmlns:dgm="http://schemas.openxmlformats.org/drawingml/2006/diagram" xmlns:o="urn:schemas-microsoft-com:office:office" xmlns:v="urn:schemas-microsoft-com:vml" xmlns:pvml="urn:schemas-microsoft-com:office:powerpoint" xmlns:com="http://schemas.openxmlformats.org/drawingml/2006/compatibility" xmlns:p14="http://schemas.microsoft.com/office/powerpoint/2010/main" showMasterPhAnim="0" showMasterSp="0">
+  <p:cSld>
+    <p:spTree>
+      <p:nvGrpSpPr>
+        <p:cNvPr id="238" name="Shape 238"/>
+        <p:cNvGrpSpPr/>
+        <p:nvPr/>
+      </p:nvGrpSpPr>
+      <p:grpSpPr>
+        <a:xfrm>
+          <a:off x="0" y="0"/>
+          <a:ext cx="0" cy="0"/>
+          <a:chOff x="0" y="0"/>
+          <a:chExt cx="0" cy="0"/>
+        </a:xfrm>
+      </p:grpSpPr>
+      <p:sp>
+        <p:nvSpPr>
+          <p:cNvPr id="239" name="Shape 239"/>
+          <p:cNvSpPr/>
+          <p:nvPr>
+            <p:ph idx="2" type="sldImg"/>
+          </p:nvPr>
+        </p:nvSpPr>
+        <p:spPr>
+          <a:xfrm>
+            <a:off x="381300" y="685800"/>
+            <a:ext cx="6096000" cy="3429000"/>
+          </a:xfrm>
+          <a:custGeom>
+            <a:pathLst>
+              <a:path extrusionOk="0" h="120000" w="120000">
+                <a:moveTo>
+                  <a:pt x="0" y="0"/>
+                </a:moveTo>
+                <a:lnTo>
+                  <a:pt x="120000" y="0"/>
+                </a:lnTo>
+                <a:lnTo>
+                  <a:pt x="120000" y="120000"/>
+                </a:lnTo>
+                <a:lnTo>
+                  <a:pt x="0" y="120000"/>
+                </a:lnTo>
+                <a:close/>
+              </a:path>
+            </a:pathLst>
+          </a:custGeom>
+        </p:spPr>
+      </p:sp>
+      <p:sp>
+        <p:nvSpPr>
+          <p:cNvPr id="240" name="Shape 240"/>
           <p:cNvSpPr txBox="1"/>
           <p:nvPr>
             <p:ph idx="1" type="body"/>
@@ -6749,6 +6845,26 @@
               <a:t>Learning Package Presentation	</a:t>
             </a:r>
           </a:p>
+          <a:p>
+            <a:pPr lvl="0">
+              <a:spcBef>
+                <a:spcPts val="0"/>
+              </a:spcBef>
+              <a:buNone/>
+            </a:pPr>
+            <a:r>
+              <a:rPr lang="en">
+                <a:solidFill>
+                  <a:srgbClr val="FFFFF7"/>
+                </a:solidFill>
+                <a:latin typeface="Impact"/>
+                <a:ea typeface="Impact"/>
+                <a:cs typeface="Impact"/>
+                <a:sym typeface="Impact"/>
+              </a:rPr>
+              <a:t>For developers</a:t>
+            </a:r>
+          </a:p>
         </p:txBody>
       </p:sp>
       <p:sp>
@@ -11102,6 +11218,444 @@
           </a:ln>
         </p:spPr>
       </p:pic>
+    </p:spTree>
+  </p:cSld>
+  <p:clrMapOvr>
+    <a:masterClrMapping/>
+  </p:clrMapOvr>
+  <p:transition spd="slow">
+    <p:fade/>
+  </p:transition>
+</p:sld>
+</file>
+
+<file path=ppt/slides/slide27.xml><?xml version="1.0" encoding="utf-8"?>
+<p:sld xmlns:a="http://schemas.openxmlformats.org/drawingml/2006/main" xmlns:r="http://schemas.openxmlformats.org/officeDocument/2006/relationships" xmlns:mc="http://schemas.openxmlformats.org/markup-compatibility/2006" xmlns:mv="urn:schemas-microsoft-com:mac:vml" xmlns:p="http://schemas.openxmlformats.org/presentationml/2006/main" xmlns:c="http://schemas.openxmlformats.org/drawingml/2006/chart" xmlns:dgm="http://schemas.openxmlformats.org/drawingml/2006/diagram" xmlns:o="urn:schemas-microsoft-com:office:office" xmlns:v="urn:schemas-microsoft-com:vml" xmlns:pvml="urn:schemas-microsoft-com:office:powerpoint" xmlns:com="http://schemas.openxmlformats.org/drawingml/2006/compatibility" xmlns:p14="http://schemas.microsoft.com/office/powerpoint/2010/main">
+  <p:cSld>
+    <p:spTree>
+      <p:nvGrpSpPr>
+        <p:cNvPr id="241" name="Shape 241"/>
+        <p:cNvGrpSpPr/>
+        <p:nvPr/>
+      </p:nvGrpSpPr>
+      <p:grpSpPr>
+        <a:xfrm>
+          <a:off x="0" y="0"/>
+          <a:ext cx="0" cy="0"/>
+          <a:chOff x="0" y="0"/>
+          <a:chExt cx="0" cy="0"/>
+        </a:xfrm>
+      </p:grpSpPr>
+      <p:sp>
+        <p:nvSpPr>
+          <p:cNvPr id="242" name="Shape 242"/>
+          <p:cNvSpPr txBox="1"/>
+          <p:nvPr>
+            <p:ph type="title"/>
+          </p:nvPr>
+        </p:nvSpPr>
+        <p:spPr>
+          <a:xfrm>
+            <a:off x="387900" y="220825"/>
+            <a:ext cx="8368200" cy="686100"/>
+          </a:xfrm>
+          <a:prstGeom prst="rect">
+            <a:avLst/>
+          </a:prstGeom>
+        </p:spPr>
+        <p:txBody>
+          <a:bodyPr anchorCtr="0" anchor="b" bIns="91425" lIns="91425" rIns="91425" tIns="91425">
+            <a:noAutofit/>
+          </a:bodyPr>
+          <a:lstStyle/>
+          <a:p>
+            <a:pPr lvl="0" rtl="0" algn="ctr">
+              <a:spcBef>
+                <a:spcPts val="0"/>
+              </a:spcBef>
+              <a:buNone/>
+            </a:pPr>
+            <a:r>
+              <a:rPr lang="en" sz="2800">
+                <a:solidFill>
+                  <a:srgbClr val="FFFFF7"/>
+                </a:solidFill>
+                <a:latin typeface="Impact"/>
+                <a:ea typeface="Impact"/>
+                <a:cs typeface="Impact"/>
+                <a:sym typeface="Impact"/>
+              </a:rPr>
+              <a:t>Extra Readings</a:t>
+            </a:r>
+          </a:p>
+        </p:txBody>
+      </p:sp>
+      <p:sp>
+        <p:nvSpPr>
+          <p:cNvPr id="243" name="Shape 243"/>
+          <p:cNvSpPr txBox="1"/>
+          <p:nvPr/>
+        </p:nvSpPr>
+        <p:spPr>
+          <a:xfrm>
+            <a:off x="359850" y="1156800"/>
+            <a:ext cx="8424300" cy="2829900"/>
+          </a:xfrm>
+          <a:prstGeom prst="rect">
+            <a:avLst/>
+          </a:prstGeom>
+          <a:noFill/>
+          <a:ln>
+            <a:noFill/>
+          </a:ln>
+        </p:spPr>
+        <p:txBody>
+          <a:bodyPr anchorCtr="0" anchor="t" bIns="91425" lIns="91425" rIns="91425" tIns="91425">
+            <a:noAutofit/>
+          </a:bodyPr>
+          <a:lstStyle/>
+          <a:p>
+            <a:pPr indent="0" lvl="0" marL="0" rtl="0" algn="l">
+              <a:spcBef>
+                <a:spcPts val="0"/>
+              </a:spcBef>
+              <a:buNone/>
+            </a:pPr>
+            <a:r>
+              <a:rPr lang="en">
+                <a:latin typeface="Ubuntu"/>
+                <a:ea typeface="Ubuntu"/>
+                <a:cs typeface="Ubuntu"/>
+                <a:sym typeface="Ubuntu"/>
+              </a:rPr>
+              <a:t>Mountain Goat Software. (n.d). Sprint Retrospective. Retrieved from</a:t>
+            </a:r>
+            <a:br>
+              <a:rPr lang="en">
+                <a:latin typeface="Ubuntu"/>
+                <a:ea typeface="Ubuntu"/>
+                <a:cs typeface="Ubuntu"/>
+                <a:sym typeface="Ubuntu"/>
+              </a:rPr>
+            </a:br>
+            <a:r>
+              <a:rPr lang="en">
+                <a:latin typeface="Ubuntu"/>
+                <a:ea typeface="Ubuntu"/>
+                <a:cs typeface="Ubuntu"/>
+                <a:sym typeface="Ubuntu"/>
+              </a:rPr>
+              <a:t>	</a:t>
+            </a:r>
+            <a:r>
+              <a:rPr lang="en" u="sng">
+                <a:solidFill>
+                  <a:schemeClr val="hlink"/>
+                </a:solidFill>
+                <a:latin typeface="Ubuntu"/>
+                <a:ea typeface="Ubuntu"/>
+                <a:cs typeface="Ubuntu"/>
+                <a:sym typeface="Ubuntu"/>
+                <a:hlinkClick r:id="rId3"/>
+              </a:rPr>
+              <a:t>https://www.mountaingoatsoftware.com/agile/scrum/sprint-retrospective</a:t>
+            </a:r>
+          </a:p>
+          <a:p>
+            <a:pPr indent="0" lvl="0" marL="0" rtl="0" algn="l">
+              <a:spcBef>
+                <a:spcPts val="0"/>
+              </a:spcBef>
+              <a:buNone/>
+            </a:pPr>
+            <a:r>
+              <a:t/>
+            </a:r>
+            <a:endParaRPr>
+              <a:latin typeface="Ubuntu"/>
+              <a:ea typeface="Ubuntu"/>
+              <a:cs typeface="Ubuntu"/>
+              <a:sym typeface="Ubuntu"/>
+            </a:endParaRPr>
+          </a:p>
+          <a:p>
+            <a:pPr indent="0" lvl="0" marL="0" rtl="0" algn="l">
+              <a:spcBef>
+                <a:spcPts val="0"/>
+              </a:spcBef>
+              <a:buNone/>
+            </a:pPr>
+            <a:r>
+              <a:rPr lang="en">
+                <a:latin typeface="Ubuntu"/>
+                <a:ea typeface="Ubuntu"/>
+                <a:cs typeface="Ubuntu"/>
+                <a:sym typeface="Ubuntu"/>
+              </a:rPr>
+              <a:t>J, Skeels. (2013, April 22). AgencyAgile Tips for Running a High-Impact Retrospective. Retrieved</a:t>
+            </a:r>
+            <a:br>
+              <a:rPr lang="en">
+                <a:latin typeface="Ubuntu"/>
+                <a:ea typeface="Ubuntu"/>
+                <a:cs typeface="Ubuntu"/>
+                <a:sym typeface="Ubuntu"/>
+              </a:rPr>
+            </a:br>
+            <a:r>
+              <a:rPr lang="en">
+                <a:latin typeface="Ubuntu"/>
+                <a:ea typeface="Ubuntu"/>
+                <a:cs typeface="Ubuntu"/>
+                <a:sym typeface="Ubuntu"/>
+              </a:rPr>
+              <a:t>	from </a:t>
+            </a:r>
+            <a:r>
+              <a:rPr lang="en" u="sng">
+                <a:solidFill>
+                  <a:schemeClr val="hlink"/>
+                </a:solidFill>
+                <a:latin typeface="Ubuntu"/>
+                <a:ea typeface="Ubuntu"/>
+                <a:cs typeface="Ubuntu"/>
+                <a:sym typeface="Ubuntu"/>
+                <a:hlinkClick r:id="rId4"/>
+              </a:rPr>
+              <a:t>http://agencyagile.com/small-agency-agile-5-tips-for-running-a-high-impact-retrospective/</a:t>
+            </a:r>
+          </a:p>
+          <a:p>
+            <a:pPr indent="0" lvl="0" marL="0" rtl="0" algn="l">
+              <a:spcBef>
+                <a:spcPts val="0"/>
+              </a:spcBef>
+              <a:buNone/>
+            </a:pPr>
+            <a:r>
+              <a:t/>
+            </a:r>
+            <a:endParaRPr>
+              <a:latin typeface="Ubuntu"/>
+              <a:ea typeface="Ubuntu"/>
+              <a:cs typeface="Ubuntu"/>
+              <a:sym typeface="Ubuntu"/>
+            </a:endParaRPr>
+          </a:p>
+          <a:p>
+            <a:pPr indent="0" lvl="0" marL="0" rtl="0" algn="l">
+              <a:spcBef>
+                <a:spcPts val="0"/>
+              </a:spcBef>
+              <a:buNone/>
+            </a:pPr>
+            <a:r>
+              <a:rPr lang="en">
+                <a:latin typeface="Ubuntu"/>
+                <a:ea typeface="Ubuntu"/>
+                <a:cs typeface="Ubuntu"/>
+                <a:sym typeface="Ubuntu"/>
+              </a:rPr>
+              <a:t>M, Ledalla. (2016, April 24). Techniques for Keeping Retrospectives Lively. Retrieved from</a:t>
+            </a:r>
+            <a:br>
+              <a:rPr lang="en">
+                <a:latin typeface="Ubuntu"/>
+                <a:ea typeface="Ubuntu"/>
+                <a:cs typeface="Ubuntu"/>
+                <a:sym typeface="Ubuntu"/>
+              </a:rPr>
+            </a:br>
+            <a:r>
+              <a:rPr lang="en">
+                <a:latin typeface="Ubuntu"/>
+                <a:ea typeface="Ubuntu"/>
+                <a:cs typeface="Ubuntu"/>
+                <a:sym typeface="Ubuntu"/>
+              </a:rPr>
+              <a:t>	</a:t>
+            </a:r>
+            <a:r>
+              <a:rPr lang="en" u="sng">
+                <a:solidFill>
+                  <a:schemeClr val="hlink"/>
+                </a:solidFill>
+                <a:latin typeface="Ubuntu"/>
+                <a:ea typeface="Ubuntu"/>
+                <a:cs typeface="Ubuntu"/>
+                <a:sym typeface="Ubuntu"/>
+                <a:hlinkClick r:id="rId5"/>
+              </a:rPr>
+              <a:t>https://www.scrumalliance.org/community/articles/2014/april/a-reflection-on-retrospectives</a:t>
+            </a:r>
+          </a:p>
+          <a:p>
+            <a:pPr indent="0" lvl="0" marL="0" rtl="0" algn="l">
+              <a:spcBef>
+                <a:spcPts val="0"/>
+              </a:spcBef>
+              <a:buNone/>
+            </a:pPr>
+            <a:r>
+              <a:t/>
+            </a:r>
+            <a:endParaRPr>
+              <a:latin typeface="Ubuntu"/>
+              <a:ea typeface="Ubuntu"/>
+              <a:cs typeface="Ubuntu"/>
+              <a:sym typeface="Ubuntu"/>
+            </a:endParaRPr>
+          </a:p>
+          <a:p>
+            <a:pPr indent="0" lvl="0" marL="0" rtl="0" algn="l">
+              <a:spcBef>
+                <a:spcPts val="0"/>
+              </a:spcBef>
+              <a:buNone/>
+            </a:pPr>
+            <a:r>
+              <a:rPr lang="en">
+                <a:latin typeface="Ubuntu"/>
+                <a:ea typeface="Ubuntu"/>
+                <a:cs typeface="Ubuntu"/>
+                <a:sym typeface="Ubuntu"/>
+              </a:rPr>
+              <a:t>L, Gonçalves &amp; B, Linders. (n.d.). Doing Valuable Agile Retrospectives. Retrieved from</a:t>
+            </a:r>
+          </a:p>
+          <a:p>
+            <a:pPr indent="0" lvl="0" marL="0" rtl="0" algn="l">
+              <a:spcBef>
+                <a:spcPts val="0"/>
+              </a:spcBef>
+              <a:buNone/>
+            </a:pPr>
+            <a:r>
+              <a:rPr lang="en">
+                <a:latin typeface="Ubuntu"/>
+                <a:ea typeface="Ubuntu"/>
+                <a:cs typeface="Ubuntu"/>
+                <a:sym typeface="Ubuntu"/>
+              </a:rPr>
+              <a:t>	</a:t>
+            </a:r>
+            <a:r>
+              <a:rPr lang="en" u="sng">
+                <a:solidFill>
+                  <a:schemeClr val="hlink"/>
+                </a:solidFill>
+                <a:latin typeface="Ubuntu"/>
+                <a:ea typeface="Ubuntu"/>
+                <a:cs typeface="Ubuntu"/>
+                <a:sym typeface="Ubuntu"/>
+                <a:hlinkClick r:id="rId6"/>
+              </a:rPr>
+              <a:t>http://www.methodsandtools.com/archive/agileretrospective.php</a:t>
+            </a:r>
+          </a:p>
+          <a:p>
+            <a:pPr indent="0" lvl="0" marL="0" rtl="0" algn="l">
+              <a:spcBef>
+                <a:spcPts val="0"/>
+              </a:spcBef>
+              <a:buNone/>
+            </a:pPr>
+            <a:r>
+              <a:t/>
+            </a:r>
+            <a:endParaRPr>
+              <a:latin typeface="Ubuntu"/>
+              <a:ea typeface="Ubuntu"/>
+              <a:cs typeface="Ubuntu"/>
+              <a:sym typeface="Ubuntu"/>
+            </a:endParaRPr>
+          </a:p>
+          <a:p>
+            <a:pPr indent="0" lvl="0" marL="0" rtl="0" algn="l">
+              <a:spcBef>
+                <a:spcPts val="0"/>
+              </a:spcBef>
+              <a:buNone/>
+            </a:pPr>
+            <a:r>
+              <a:rPr lang="en">
+                <a:latin typeface="Ubuntu"/>
+                <a:ea typeface="Ubuntu"/>
+                <a:cs typeface="Ubuntu"/>
+                <a:sym typeface="Ubuntu"/>
+              </a:rPr>
+              <a:t>Retrium: </a:t>
+            </a:r>
+            <a:r>
+              <a:rPr lang="en" u="sng">
+                <a:solidFill>
+                  <a:schemeClr val="hlink"/>
+                </a:solidFill>
+                <a:latin typeface="Ubuntu"/>
+                <a:ea typeface="Ubuntu"/>
+                <a:cs typeface="Ubuntu"/>
+                <a:sym typeface="Ubuntu"/>
+                <a:hlinkClick r:id="rId7"/>
+              </a:rPr>
+              <a:t>https://www.retrium.com/</a:t>
+            </a:r>
+          </a:p>
+          <a:p>
+            <a:pPr indent="0" lvl="0" marL="0" rtl="0" algn="l">
+              <a:spcBef>
+                <a:spcPts val="0"/>
+              </a:spcBef>
+              <a:buNone/>
+            </a:pPr>
+            <a:r>
+              <a:t/>
+            </a:r>
+            <a:endParaRPr>
+              <a:latin typeface="Ubuntu"/>
+              <a:ea typeface="Ubuntu"/>
+              <a:cs typeface="Ubuntu"/>
+              <a:sym typeface="Ubuntu"/>
+            </a:endParaRPr>
+          </a:p>
+          <a:p>
+            <a:pPr indent="0" lvl="0" marL="0" rtl="0" algn="l">
+              <a:spcBef>
+                <a:spcPts val="0"/>
+              </a:spcBef>
+              <a:buNone/>
+            </a:pPr>
+            <a:r>
+              <a:t/>
+            </a:r>
+            <a:endParaRPr>
+              <a:highlight>
+                <a:srgbClr val="FFFFFF"/>
+              </a:highlight>
+              <a:latin typeface="Ubuntu"/>
+              <a:ea typeface="Ubuntu"/>
+              <a:cs typeface="Ubuntu"/>
+              <a:sym typeface="Ubuntu"/>
+            </a:endParaRPr>
+          </a:p>
+          <a:p>
+            <a:pPr lvl="0" rtl="0" algn="l">
+              <a:spcBef>
+                <a:spcPts val="0"/>
+              </a:spcBef>
+              <a:buNone/>
+            </a:pPr>
+            <a:r>
+              <a:t/>
+            </a:r>
+            <a:endParaRPr sz="2800">
+              <a:latin typeface="Impact"/>
+              <a:ea typeface="Impact"/>
+              <a:cs typeface="Impact"/>
+              <a:sym typeface="Impact"/>
+            </a:endParaRPr>
+          </a:p>
+        </p:txBody>
+      </p:sp>
     </p:spTree>
   </p:cSld>
   <p:clrMapOvr>
